--- a/Source Control Girl Code.pptx
+++ b/Source Control Girl Code.pptx
@@ -9,12 +9,12 @@
   </p:notesMasterIdLst>
   <p:sldIdLst>
     <p:sldId id="256" r:id="rId2"/>
-    <p:sldId id="258" r:id="rId3"/>
-    <p:sldId id="261" r:id="rId4"/>
-    <p:sldId id="262" r:id="rId5"/>
-    <p:sldId id="263" r:id="rId6"/>
-    <p:sldId id="264" r:id="rId7"/>
-    <p:sldId id="265" r:id="rId8"/>
+    <p:sldId id="267" r:id="rId3"/>
+    <p:sldId id="258" r:id="rId4"/>
+    <p:sldId id="261" r:id="rId5"/>
+    <p:sldId id="262" r:id="rId6"/>
+    <p:sldId id="263" r:id="rId7"/>
+    <p:sldId id="264" r:id="rId8"/>
     <p:sldId id="266" r:id="rId9"/>
   </p:sldIdLst>
   <p:sldSz cx="12192000" cy="6858000"/>
@@ -1073,14 +1073,14 @@
     </dgm:pt>
   </dgm:ptLst>
   <dgm:cxnLst>
+    <dgm:cxn modelId="{EFB2CF9D-F931-415C-AE04-E720E73B2B1F}" type="presOf" srcId="{5D291D6E-BB0C-437C-9ABA-064BABFDB069}" destId="{0D0974AE-BDC8-4C2E-B2B4-94A3CE56D60F}" srcOrd="0" destOrd="0" presId="urn:microsoft.com/office/officeart/2005/8/layout/equation1"/>
+    <dgm:cxn modelId="{E621B5D1-C0EE-4810-85E0-D708256398F7}" type="presOf" srcId="{53D907F0-5389-47B7-AC0F-E4363B2F849D}" destId="{65DD5EC2-A8A1-4FC6-B89B-D42A53463CA4}" srcOrd="0" destOrd="0" presId="urn:microsoft.com/office/officeart/2005/8/layout/equation1"/>
+    <dgm:cxn modelId="{ECD98DA6-45AB-46DD-8592-CD5E32C824C4}" type="presOf" srcId="{1D9F798E-99EE-459F-BDD6-0E82FEC5A49E}" destId="{3AE85C00-404F-434C-AA4B-5E091A2738E5}" srcOrd="0" destOrd="0" presId="urn:microsoft.com/office/officeart/2005/8/layout/equation1"/>
+    <dgm:cxn modelId="{40DF43F4-C4F9-4F00-9BA6-B26FD6379C19}" srcId="{5F1AD065-EF69-4EF1-9F95-654283EBFC7C}" destId="{53D907F0-5389-47B7-AC0F-E4363B2F849D}" srcOrd="0" destOrd="0" parTransId="{1B141B39-9A3A-4770-BF3D-3FBD25574135}" sibTransId="{46350AE3-C5B1-4848-B6C2-44D4FC264001}"/>
+    <dgm:cxn modelId="{AC96B138-DF08-4518-890C-CECE7E56C1C0}" type="presOf" srcId="{5F1AD065-EF69-4EF1-9F95-654283EBFC7C}" destId="{2AC71D9C-9FCD-47BD-9DC4-D7FD7C249373}" srcOrd="0" destOrd="0" presId="urn:microsoft.com/office/officeart/2005/8/layout/equation1"/>
     <dgm:cxn modelId="{9631BE4A-CFA0-4F32-8DD9-7C1BA50A61EA}" srcId="{5F1AD065-EF69-4EF1-9F95-654283EBFC7C}" destId="{1D9F798E-99EE-459F-BDD6-0E82FEC5A49E}" srcOrd="2" destOrd="0" parTransId="{FDC7ACC7-6748-4732-A3E9-40B1ACF9AF97}" sibTransId="{4E30EE09-8A39-4674-9826-9134622D4EF6}"/>
-    <dgm:cxn modelId="{AC96B138-DF08-4518-890C-CECE7E56C1C0}" type="presOf" srcId="{5F1AD065-EF69-4EF1-9F95-654283EBFC7C}" destId="{2AC71D9C-9FCD-47BD-9DC4-D7FD7C249373}" srcOrd="0" destOrd="0" presId="urn:microsoft.com/office/officeart/2005/8/layout/equation1"/>
-    <dgm:cxn modelId="{E621B5D1-C0EE-4810-85E0-D708256398F7}" type="presOf" srcId="{53D907F0-5389-47B7-AC0F-E4363B2F849D}" destId="{65DD5EC2-A8A1-4FC6-B89B-D42A53463CA4}" srcOrd="0" destOrd="0" presId="urn:microsoft.com/office/officeart/2005/8/layout/equation1"/>
-    <dgm:cxn modelId="{EFB2CF9D-F931-415C-AE04-E720E73B2B1F}" type="presOf" srcId="{5D291D6E-BB0C-437C-9ABA-064BABFDB069}" destId="{0D0974AE-BDC8-4C2E-B2B4-94A3CE56D60F}" srcOrd="0" destOrd="0" presId="urn:microsoft.com/office/officeart/2005/8/layout/equation1"/>
     <dgm:cxn modelId="{FFF70CA8-B95C-475F-BC0F-B34CC700BE08}" srcId="{5F1AD065-EF69-4EF1-9F95-654283EBFC7C}" destId="{5D291D6E-BB0C-437C-9ABA-064BABFDB069}" srcOrd="1" destOrd="0" parTransId="{FFDF03EC-D89E-4515-A5A5-AD9240CADD58}" sibTransId="{ECA87693-A095-434B-9E02-82DF81DED668}"/>
     <dgm:cxn modelId="{20F261DB-5DF7-42B0-A23E-D3A3D2F4B91C}" type="presOf" srcId="{46350AE3-C5B1-4848-B6C2-44D4FC264001}" destId="{561A9058-1361-440F-8506-1A96F597F728}" srcOrd="0" destOrd="0" presId="urn:microsoft.com/office/officeart/2005/8/layout/equation1"/>
-    <dgm:cxn modelId="{ECD98DA6-45AB-46DD-8592-CD5E32C824C4}" type="presOf" srcId="{1D9F798E-99EE-459F-BDD6-0E82FEC5A49E}" destId="{3AE85C00-404F-434C-AA4B-5E091A2738E5}" srcOrd="0" destOrd="0" presId="urn:microsoft.com/office/officeart/2005/8/layout/equation1"/>
-    <dgm:cxn modelId="{40DF43F4-C4F9-4F00-9BA6-B26FD6379C19}" srcId="{5F1AD065-EF69-4EF1-9F95-654283EBFC7C}" destId="{53D907F0-5389-47B7-AC0F-E4363B2F849D}" srcOrd="0" destOrd="0" parTransId="{1B141B39-9A3A-4770-BF3D-3FBD25574135}" sibTransId="{46350AE3-C5B1-4848-B6C2-44D4FC264001}"/>
     <dgm:cxn modelId="{42C98722-1968-4A21-BC45-2D6B1332124E}" type="presOf" srcId="{ECA87693-A095-434B-9E02-82DF81DED668}" destId="{6D7611D2-F13E-4294-A8C5-19BFCE4A975D}" srcOrd="0" destOrd="0" presId="urn:microsoft.com/office/officeart/2005/8/layout/equation1"/>
     <dgm:cxn modelId="{F6562438-C43A-4C6F-8937-C8FC390CE99E}" type="presParOf" srcId="{2AC71D9C-9FCD-47BD-9DC4-D7FD7C249373}" destId="{65DD5EC2-A8A1-4FC6-B89B-D42A53463CA4}" srcOrd="0" destOrd="0" presId="urn:microsoft.com/office/officeart/2005/8/layout/equation1"/>
     <dgm:cxn modelId="{2EA49B65-FE82-4312-8124-B9622C62CE12}" type="presParOf" srcId="{2AC71D9C-9FCD-47BD-9DC4-D7FD7C249373}" destId="{9F759DBB-2A8E-45E2-A2E7-3B4FF2889DB2}" srcOrd="1" destOrd="0" presId="urn:microsoft.com/office/officeart/2005/8/layout/equation1"/>
@@ -2709,7 +2709,7 @@
           <a:p>
             <a:fld id="{D6FE42ED-5277-4919-8B3F-ADE4C38AB862}" type="datetimeFigureOut">
               <a:rPr lang="en-ZA" smtClean="0"/>
-              <a:t>2017/02/23</a:t>
+              <a:t>2017/02/24</a:t>
             </a:fld>
             <a:endParaRPr lang="en-ZA"/>
           </a:p>
@@ -3023,19 +3023,39 @@
           <a:p>
             <a:r>
               <a:rPr lang="en-ZA" dirty="0"/>
-              <a:t>Working</a:t>
+              <a:t>I’m really only here</a:t>
             </a:r>
             <a:r>
               <a:rPr lang="en-ZA" baseline="0" dirty="0"/>
-              <a:t> on something and it’s going well. Then you say “Let me just…” add something fancy and somewhere along the line things stop working. What do you do then? </a:t>
-            </a:r>
-            <a:r>
-              <a:rPr lang="en-ZA" baseline="0" dirty="0" err="1"/>
-              <a:t>Ctrl+Z</a:t>
-            </a:r>
-            <a:r>
+              <a:t> to tell you that you can download todays presentations and code files from git hub.</a:t>
+            </a:r>
+            <a:br>
               <a:rPr lang="en-ZA" baseline="0" dirty="0"/>
-              <a:t> of course!</a:t>
+            </a:br>
+            <a:r>
+              <a:rPr lang="en-ZA" baseline="0" dirty="0"/>
+              <a:t>Browse to the link.</a:t>
+            </a:r>
+          </a:p>
+          <a:p>
+            <a:r>
+              <a:rPr lang="en-ZA" baseline="0" dirty="0"/>
+              <a:t>Click on the green Clone or Download button</a:t>
+            </a:r>
+          </a:p>
+          <a:p>
+            <a:r>
+              <a:rPr lang="en-ZA" baseline="0" dirty="0"/>
+              <a:t>Click on the Download Zip button.</a:t>
+            </a:r>
+          </a:p>
+          <a:p>
+            <a:endParaRPr lang="en-ZA" baseline="0" dirty="0"/>
+          </a:p>
+          <a:p>
+            <a:r>
+              <a:rPr lang="en-ZA" baseline="0" dirty="0"/>
+              <a:t>Right. So what does this cute kitty have to do with writing code?</a:t>
             </a:r>
             <a:endParaRPr lang="en-ZA" dirty="0"/>
           </a:p>
@@ -3067,7 +3087,7 @@
     </p:spTree>
     <p:extLst>
       <p:ext uri="{BB962C8B-B14F-4D97-AF65-F5344CB8AC3E}">
-        <p14:creationId xmlns:p14="http://schemas.microsoft.com/office/powerpoint/2010/main" val="694872216"/>
+        <p14:creationId xmlns:p14="http://schemas.microsoft.com/office/powerpoint/2010/main" val="775674971"/>
       </p:ext>
     </p:extLst>
   </p:cSld>
@@ -3121,89 +3141,22 @@
           <a:bodyPr/>
           <a:lstStyle/>
           <a:p>
-            <a:pPr marL="0" marR="0" lvl="0" indent="0" algn="l" defTabSz="914400" rtl="0" eaLnBrk="1" fontAlgn="auto" latinLnBrk="0" hangingPunct="1">
-              <a:lnSpc>
-                <a:spcPct val="100000"/>
-              </a:lnSpc>
-              <a:spcBef>
-                <a:spcPts val="0"/>
-              </a:spcBef>
-              <a:spcAft>
-                <a:spcPts val="0"/>
-              </a:spcAft>
-              <a:buClrTx/>
-              <a:buSzTx/>
-              <a:buFontTx/>
-              <a:buNone/>
-              <a:tabLst/>
-              <a:defRPr/>
-            </a:pPr>
+            <a:r>
+              <a:rPr lang="en-ZA" dirty="0"/>
+              <a:t>Imagine you’re working</a:t>
+            </a:r>
             <a:r>
               <a:rPr lang="en-ZA" baseline="0" dirty="0"/>
-              <a:t>Except </a:t>
+              <a:t> on something and it’s going well. Then you say “Let me just…” add something fancy and somewhere along the line things stop working. What do you do then? </a:t>
             </a:r>
             <a:r>
               <a:rPr lang="en-ZA" baseline="0" dirty="0" err="1"/>
-              <a:t>ctrl+Z</a:t>
+              <a:t>Ctrl+Z</a:t>
             </a:r>
             <a:r>
               <a:rPr lang="en-ZA" baseline="0" dirty="0"/>
-              <a:t> only goes back five actions and now things are looking even worse. It’s like adding too much salt to your pasta dish – you just can’t go back from there.</a:t>
-            </a:r>
-            <a:r>
-              <a:rPr lang="en-ZA" i="1" u="sng" baseline="0" dirty="0"/>
-              <a:t> [click animation] </a:t>
-            </a:r>
-          </a:p>
-          <a:p>
-            <a:pPr marL="0" marR="0" lvl="0" indent="0" algn="l" defTabSz="914400" rtl="0" eaLnBrk="1" fontAlgn="auto" latinLnBrk="0" hangingPunct="1">
-              <a:lnSpc>
-                <a:spcPct val="100000"/>
-              </a:lnSpc>
-              <a:spcBef>
-                <a:spcPts val="0"/>
-              </a:spcBef>
-              <a:spcAft>
-                <a:spcPts val="0"/>
-              </a:spcAft>
-              <a:buClrTx/>
-              <a:buSzTx/>
-              <a:buFontTx/>
-              <a:buNone/>
-              <a:tabLst/>
-              <a:defRPr/>
-            </a:pPr>
-            <a:endParaRPr lang="en-ZA" baseline="0" dirty="0"/>
-          </a:p>
-          <a:p>
-            <a:pPr marL="0" marR="0" lvl="0" indent="0" algn="l" defTabSz="914400" rtl="0" eaLnBrk="1" fontAlgn="auto" latinLnBrk="0" hangingPunct="1">
-              <a:lnSpc>
-                <a:spcPct val="100000"/>
-              </a:lnSpc>
-              <a:spcBef>
-                <a:spcPts val="0"/>
-              </a:spcBef>
-              <a:spcAft>
-                <a:spcPts val="0"/>
-              </a:spcAft>
-              <a:buClrTx/>
-              <a:buSzTx/>
-              <a:buFontTx/>
-              <a:buNone/>
-              <a:tabLst/>
-              <a:defRPr/>
-            </a:pPr>
-            <a:r>
-              <a:rPr lang="en-ZA" dirty="0"/>
-              <a:t>That’s when you wish you had a</a:t>
-            </a:r>
-            <a:r>
-              <a:rPr lang="en-ZA" baseline="0" dirty="0"/>
-              <a:t> snapshot of the last time you said “This is good”. And that is version control in a nutshell. Having snapshots of your work as you go along</a:t>
-            </a:r>
-            <a:endParaRPr lang="en-ZA" dirty="0"/>
-          </a:p>
-          <a:p>
+              <a:t> of course!</a:t>
+            </a:r>
             <a:endParaRPr lang="en-ZA" dirty="0"/>
           </a:p>
         </p:txBody>
@@ -3234,7 +3187,7 @@
     </p:spTree>
     <p:extLst>
       <p:ext uri="{BB962C8B-B14F-4D97-AF65-F5344CB8AC3E}">
-        <p14:creationId xmlns:p14="http://schemas.microsoft.com/office/powerpoint/2010/main" val="2371067754"/>
+        <p14:creationId xmlns:p14="http://schemas.microsoft.com/office/powerpoint/2010/main" val="694872216"/>
       </p:ext>
     </p:extLst>
   </p:cSld>
@@ -3288,55 +3241,6 @@
           <a:bodyPr/>
           <a:lstStyle/>
           <a:p>
-            <a:r>
-              <a:rPr lang="en-ZA" dirty="0"/>
-              <a:t>Here is a good example of version control. The only problem</a:t>
-            </a:r>
-            <a:r>
-              <a:rPr lang="en-ZA" baseline="0" dirty="0"/>
-              <a:t> is it’s really hard to figure out which is the final </a:t>
-            </a:r>
-            <a:r>
-              <a:rPr lang="en-ZA" baseline="0" dirty="0" err="1"/>
-              <a:t>final</a:t>
-            </a:r>
-            <a:r>
-              <a:rPr lang="en-ZA" baseline="0" dirty="0"/>
-              <a:t> </a:t>
-            </a:r>
-            <a:r>
-              <a:rPr lang="en-ZA" baseline="0" dirty="0" err="1"/>
-              <a:t>final</a:t>
-            </a:r>
-            <a:r>
-              <a:rPr lang="en-ZA" baseline="0" dirty="0"/>
-              <a:t> version. Can you spot the final </a:t>
-            </a:r>
-            <a:r>
-              <a:rPr lang="en-ZA" baseline="0" dirty="0" err="1"/>
-              <a:t>final</a:t>
-            </a:r>
-            <a:r>
-              <a:rPr lang="en-ZA" baseline="0" dirty="0"/>
-              <a:t> </a:t>
-            </a:r>
-            <a:r>
-              <a:rPr lang="en-ZA" baseline="0" dirty="0" err="1"/>
-              <a:t>final</a:t>
-            </a:r>
-            <a:r>
-              <a:rPr lang="en-ZA" baseline="0" dirty="0"/>
-              <a:t> version? </a:t>
-            </a:r>
-            <a:r>
-              <a:rPr lang="en-ZA" i="1" u="sng" baseline="0" dirty="0"/>
-              <a:t>[click animation] </a:t>
-            </a:r>
-          </a:p>
-          <a:p>
-            <a:endParaRPr lang="en-ZA" baseline="0" dirty="0"/>
-          </a:p>
-          <a:p>
             <a:pPr marL="0" marR="0" lvl="0" indent="0" algn="l" defTabSz="914400" rtl="0" eaLnBrk="1" fontAlgn="auto" latinLnBrk="0" hangingPunct="1">
               <a:lnSpc>
                 <a:spcPct val="100000"/>
@@ -3356,11 +3260,19 @@
             </a:pPr>
             <a:r>
               <a:rPr lang="en-ZA" baseline="0" dirty="0"/>
-              <a:t>What if I change my mind and want to go back to a previous version? </a:t>
+              <a:t>Except </a:t>
+            </a:r>
+            <a:r>
+              <a:rPr lang="en-ZA" baseline="0" dirty="0" err="1"/>
+              <a:t>ctrl+Z</a:t>
+            </a:r>
+            <a:r>
+              <a:rPr lang="en-ZA" baseline="0" dirty="0"/>
+              <a:t> only goes back five actions and now things are looking even worse. It’s like adding too much salt to your pasta dish – you just can’t go back from there.</a:t>
             </a:r>
             <a:r>
               <a:rPr lang="en-ZA" i="1" u="sng" baseline="0" dirty="0"/>
-              <a:t>[click animation] </a:t>
+              <a:t> [click animation] </a:t>
             </a:r>
           </a:p>
           <a:p>
@@ -3381,13 +3293,37 @@
               <a:tabLst/>
               <a:defRPr/>
             </a:pPr>
-            <a:endParaRPr lang="en-ZA" i="1" u="sng" baseline="0" dirty="0"/>
-          </a:p>
-          <a:p>
+            <a:endParaRPr lang="en-ZA" baseline="0" dirty="0"/>
+          </a:p>
+          <a:p>
+            <a:pPr marL="0" marR="0" lvl="0" indent="0" algn="l" defTabSz="914400" rtl="0" eaLnBrk="1" fontAlgn="auto" latinLnBrk="0" hangingPunct="1">
+              <a:lnSpc>
+                <a:spcPct val="100000"/>
+              </a:lnSpc>
+              <a:spcBef>
+                <a:spcPts val="0"/>
+              </a:spcBef>
+              <a:spcAft>
+                <a:spcPts val="0"/>
+              </a:spcAft>
+              <a:buClrTx/>
+              <a:buSzTx/>
+              <a:buFontTx/>
+              <a:buNone/>
+              <a:tabLst/>
+              <a:defRPr/>
+            </a:pPr>
+            <a:r>
+              <a:rPr lang="en-ZA" dirty="0"/>
+              <a:t>That’s when you wish you had a</a:t>
+            </a:r>
             <a:r>
               <a:rPr lang="en-ZA" baseline="0" dirty="0"/>
-              <a:t>How would I know which version I want without opening every single file and finding the specific feature I’ve changed my mind about?</a:t>
-            </a:r>
+              <a:t> snapshot of the last time you said “This is good”. And that is version control in a nutshell. Having snapshots of your work as you go along</a:t>
+            </a:r>
+            <a:endParaRPr lang="en-ZA" dirty="0"/>
+          </a:p>
+          <a:p>
             <a:endParaRPr lang="en-ZA" dirty="0"/>
           </a:p>
         </p:txBody>
@@ -3418,7 +3354,7 @@
     </p:spTree>
     <p:extLst>
       <p:ext uri="{BB962C8B-B14F-4D97-AF65-F5344CB8AC3E}">
-        <p14:creationId xmlns:p14="http://schemas.microsoft.com/office/powerpoint/2010/main" val="2383787135"/>
+        <p14:creationId xmlns:p14="http://schemas.microsoft.com/office/powerpoint/2010/main" val="2371067754"/>
       </p:ext>
     </p:extLst>
   </p:cSld>
@@ -3472,6 +3408,55 @@
           <a:bodyPr/>
           <a:lstStyle/>
           <a:p>
+            <a:r>
+              <a:rPr lang="en-ZA" dirty="0"/>
+              <a:t>Here is a good example of version control. The only problem</a:t>
+            </a:r>
+            <a:r>
+              <a:rPr lang="en-ZA" baseline="0" dirty="0"/>
+              <a:t> is it’s really hard to figure out which is the final </a:t>
+            </a:r>
+            <a:r>
+              <a:rPr lang="en-ZA" baseline="0" dirty="0" err="1"/>
+              <a:t>final</a:t>
+            </a:r>
+            <a:r>
+              <a:rPr lang="en-ZA" baseline="0" dirty="0"/>
+              <a:t> </a:t>
+            </a:r>
+            <a:r>
+              <a:rPr lang="en-ZA" baseline="0" dirty="0" err="1"/>
+              <a:t>final</a:t>
+            </a:r>
+            <a:r>
+              <a:rPr lang="en-ZA" baseline="0" dirty="0"/>
+              <a:t> version. Can you spot the final </a:t>
+            </a:r>
+            <a:r>
+              <a:rPr lang="en-ZA" baseline="0" dirty="0" err="1"/>
+              <a:t>final</a:t>
+            </a:r>
+            <a:r>
+              <a:rPr lang="en-ZA" baseline="0" dirty="0"/>
+              <a:t> </a:t>
+            </a:r>
+            <a:r>
+              <a:rPr lang="en-ZA" baseline="0" dirty="0" err="1"/>
+              <a:t>final</a:t>
+            </a:r>
+            <a:r>
+              <a:rPr lang="en-ZA" baseline="0" dirty="0"/>
+              <a:t> version? </a:t>
+            </a:r>
+            <a:r>
+              <a:rPr lang="en-ZA" i="1" u="sng" baseline="0" dirty="0"/>
+              <a:t>[click animation] </a:t>
+            </a:r>
+          </a:p>
+          <a:p>
+            <a:endParaRPr lang="en-ZA" baseline="0" dirty="0"/>
+          </a:p>
+          <a:p>
             <a:pPr marL="0" marR="0" lvl="0" indent="0" algn="l" defTabSz="914400" rtl="0" eaLnBrk="1" fontAlgn="auto" latinLnBrk="0" hangingPunct="1">
               <a:lnSpc>
                 <a:spcPct val="100000"/>
@@ -3490,151 +3475,40 @@
               <a:defRPr/>
             </a:pPr>
             <a:r>
-              <a:rPr lang="en-ZA" dirty="0"/>
-              <a:t>These are scenarios</a:t>
-            </a:r>
-            <a:r>
               <a:rPr lang="en-ZA" baseline="0" dirty="0"/>
-              <a:t> that you will often come across in software development. For instance your boss says he liked the previous red, round button better than the current square blue button, or when someone snuck in a piece of code to cheat on emissions tests and you need to remove it quickly…</a:t>
-            </a:r>
-            <a:endParaRPr kumimoji="0" lang="en-ZA" sz="1200" b="0" i="1" u="sng" strike="noStrike" kern="1200" cap="none" spc="0" normalizeH="0" baseline="0" noProof="0" dirty="0">
-              <a:ln>
-                <a:noFill/>
-              </a:ln>
-              <a:solidFill>
-                <a:prstClr val="black"/>
-              </a:solidFill>
-              <a:effectLst/>
-              <a:uLnTx/>
-              <a:uFillTx/>
-              <a:latin typeface="+mn-lt"/>
-              <a:ea typeface="+mn-ea"/>
-              <a:cs typeface="+mn-cs"/>
-            </a:endParaRPr>
-          </a:p>
-          <a:p>
+              <a:t>What if I change my mind and want to go back to a previous version? </a:t>
+            </a:r>
+            <a:r>
+              <a:rPr lang="en-ZA" i="1" u="sng" baseline="0" dirty="0"/>
+              <a:t>[click animation] </a:t>
+            </a:r>
+          </a:p>
+          <a:p>
+            <a:pPr marL="0" marR="0" lvl="0" indent="0" algn="l" defTabSz="914400" rtl="0" eaLnBrk="1" fontAlgn="auto" latinLnBrk="0" hangingPunct="1">
+              <a:lnSpc>
+                <a:spcPct val="100000"/>
+              </a:lnSpc>
+              <a:spcBef>
+                <a:spcPts val="0"/>
+              </a:spcBef>
+              <a:spcAft>
+                <a:spcPts val="0"/>
+              </a:spcAft>
+              <a:buClrTx/>
+              <a:buSzTx/>
+              <a:buFontTx/>
+              <a:buNone/>
+              <a:tabLst/>
+              <a:defRPr/>
+            </a:pPr>
+            <a:endParaRPr lang="en-ZA" i="1" u="sng" baseline="0" dirty="0"/>
+          </a:p>
+          <a:p>
+            <a:r>
+              <a:rPr lang="en-ZA" baseline="0" dirty="0"/>
+              <a:t>How would I know which version I want without opening every single file to find the specific feature I’ve changed my mind about?</a:t>
+            </a:r>
             <a:endParaRPr lang="en-ZA" dirty="0"/>
-          </a:p>
-          <a:p>
-            <a:r>
-              <a:rPr lang="en-ZA" dirty="0"/>
-              <a:t>So how is this</a:t>
-            </a:r>
-            <a:r>
-              <a:rPr lang="en-ZA" baseline="0" dirty="0"/>
-              <a:t> relevant to software development?</a:t>
-            </a:r>
-            <a:r>
-              <a:rPr kumimoji="0" lang="en-ZA" sz="1200" b="0" i="1" u="sng" strike="noStrike" kern="1200" cap="none" spc="0" normalizeH="0" baseline="0" noProof="0" dirty="0">
-                <a:ln>
-                  <a:noFill/>
-                </a:ln>
-                <a:solidFill>
-                  <a:prstClr val="black"/>
-                </a:solidFill>
-                <a:effectLst/>
-                <a:uLnTx/>
-                <a:uFillTx/>
-                <a:latin typeface="+mn-lt"/>
-                <a:ea typeface="+mn-ea"/>
-                <a:cs typeface="+mn-cs"/>
-              </a:rPr>
-              <a:t> [click animation] </a:t>
-            </a:r>
-          </a:p>
-          <a:p>
-            <a:r>
-              <a:rPr kumimoji="0" lang="en-ZA" sz="1200" b="0" i="0" u="none" strike="noStrike" kern="1200" cap="none" spc="0" normalizeH="0" baseline="0" noProof="0" dirty="0">
-                <a:ln>
-                  <a:noFill/>
-                </a:ln>
-                <a:solidFill>
-                  <a:prstClr val="black"/>
-                </a:solidFill>
-                <a:effectLst/>
-                <a:uLnTx/>
-                <a:uFillTx/>
-                <a:latin typeface="+mn-lt"/>
-                <a:ea typeface="+mn-ea"/>
-                <a:cs typeface="+mn-cs"/>
-              </a:rPr>
-              <a:t>You can easily go back to previous working versions</a:t>
-            </a:r>
-            <a:r>
-              <a:rPr kumimoji="0" lang="en-ZA" sz="1200" b="0" i="1" u="sng" strike="noStrike" kern="1200" cap="none" spc="0" normalizeH="0" baseline="0" noProof="0" dirty="0">
-                <a:ln>
-                  <a:noFill/>
-                </a:ln>
-                <a:solidFill>
-                  <a:prstClr val="black"/>
-                </a:solidFill>
-                <a:effectLst/>
-                <a:uLnTx/>
-                <a:uFillTx/>
-                <a:latin typeface="+mn-lt"/>
-                <a:ea typeface="+mn-ea"/>
-                <a:cs typeface="+mn-cs"/>
-              </a:rPr>
-              <a:t>[click animation] </a:t>
-            </a:r>
-          </a:p>
-          <a:p>
-            <a:r>
-              <a:rPr kumimoji="0" lang="en-ZA" sz="1200" b="0" i="0" u="none" strike="noStrike" kern="1200" cap="none" spc="0" normalizeH="0" baseline="0" noProof="0" dirty="0">
-                <a:ln>
-                  <a:noFill/>
-                </a:ln>
-                <a:solidFill>
-                  <a:prstClr val="black"/>
-                </a:solidFill>
-                <a:effectLst/>
-                <a:uLnTx/>
-                <a:uFillTx/>
-                <a:latin typeface="+mn-lt"/>
-                <a:ea typeface="+mn-ea"/>
-                <a:cs typeface="+mn-cs"/>
-              </a:rPr>
-              <a:t>If your changes are well commented it can remind you or inform others of design decisions (which is easier than opening 54 file in turn) </a:t>
-            </a:r>
-            <a:r>
-              <a:rPr kumimoji="0" lang="en-ZA" sz="1200" b="0" i="1" u="sng" strike="noStrike" kern="1200" cap="none" spc="0" normalizeH="0" baseline="0" noProof="0" dirty="0">
-                <a:ln>
-                  <a:noFill/>
-                </a:ln>
-                <a:solidFill>
-                  <a:prstClr val="black"/>
-                </a:solidFill>
-                <a:effectLst/>
-                <a:uLnTx/>
-                <a:uFillTx/>
-                <a:latin typeface="+mn-lt"/>
-                <a:ea typeface="+mn-ea"/>
-                <a:cs typeface="+mn-cs"/>
-              </a:rPr>
-              <a:t>[click animation] </a:t>
-            </a:r>
-          </a:p>
-          <a:p>
-            <a:r>
-              <a:rPr kumimoji="0" lang="en-ZA" sz="1200" b="0" i="0" u="none" strike="noStrike" kern="1200" cap="none" spc="0" normalizeH="0" baseline="0" noProof="0" dirty="0">
-                <a:ln>
-                  <a:noFill/>
-                </a:ln>
-                <a:solidFill>
-                  <a:prstClr val="black"/>
-                </a:solidFill>
-                <a:effectLst/>
-                <a:uLnTx/>
-                <a:uFillTx/>
-                <a:latin typeface="+mn-lt"/>
-                <a:ea typeface="+mn-ea"/>
-                <a:cs typeface="+mn-cs"/>
-              </a:rPr>
-              <a:t>And to know exactly what version of the software/code is currently deployed in the real world. This is useful when you’ve carried on developing new features but you need to go back and fix a bug in an older version.</a:t>
-            </a:r>
-          </a:p>
-          <a:p>
-            <a:endParaRPr lang="en-ZA" i="0" u="none" dirty="0"/>
           </a:p>
         </p:txBody>
       </p:sp>
@@ -3664,7 +3538,7 @@
     </p:spTree>
     <p:extLst>
       <p:ext uri="{BB962C8B-B14F-4D97-AF65-F5344CB8AC3E}">
-        <p14:creationId xmlns:p14="http://schemas.microsoft.com/office/powerpoint/2010/main" val="2705485928"/>
+        <p14:creationId xmlns:p14="http://schemas.microsoft.com/office/powerpoint/2010/main" val="2383787135"/>
       </p:ext>
     </p:extLst>
   </p:cSld>
@@ -3718,32 +3592,169 @@
           <a:bodyPr/>
           <a:lstStyle/>
           <a:p>
+            <a:pPr marL="0" marR="0" lvl="0" indent="0" algn="l" defTabSz="914400" rtl="0" eaLnBrk="1" fontAlgn="auto" latinLnBrk="0" hangingPunct="1">
+              <a:lnSpc>
+                <a:spcPct val="100000"/>
+              </a:lnSpc>
+              <a:spcBef>
+                <a:spcPts val="0"/>
+              </a:spcBef>
+              <a:spcAft>
+                <a:spcPts val="0"/>
+              </a:spcAft>
+              <a:buClrTx/>
+              <a:buSzTx/>
+              <a:buFontTx/>
+              <a:buNone/>
+              <a:tabLst/>
+              <a:defRPr/>
+            </a:pPr>
             <a:r>
               <a:rPr lang="en-ZA" dirty="0"/>
-              <a:t>This</a:t>
+              <a:t>These are scenarios</a:t>
             </a:r>
             <a:r>
               <a:rPr lang="en-ZA" baseline="0" dirty="0"/>
-              <a:t> is how a basic source control timeline may look. In green we have the main branch of the code, here called the trunk. In yellow you see features being developed independently of the trunk to avoid rendering the trunk unusable by others if you screw up. A branch is created when you want to work on something in isolation. When you are done you can merge it back into the trunk as is seen at point 3 merging into 4 and 7 into 9.</a:t>
-            </a:r>
-          </a:p>
-          <a:p>
-            <a:endParaRPr lang="en-ZA" baseline="0" dirty="0"/>
-          </a:p>
-          <a:p>
+              <a:t> that you will often come across in software development. For instance your boss says he liked the previous red, round button better than the current square blue button, or when someone snuck in a piece of code to cheat on emissions tests and you need to remove it quickly…</a:t>
+            </a:r>
+            <a:endParaRPr kumimoji="0" lang="en-ZA" sz="1200" b="0" i="1" u="sng" strike="noStrike" kern="1200" cap="none" spc="0" normalizeH="0" baseline="0" noProof="0" dirty="0">
+              <a:ln>
+                <a:noFill/>
+              </a:ln>
+              <a:solidFill>
+                <a:prstClr val="black"/>
+              </a:solidFill>
+              <a:effectLst/>
+              <a:uLnTx/>
+              <a:uFillTx/>
+              <a:latin typeface="+mn-lt"/>
+              <a:ea typeface="+mn-ea"/>
+              <a:cs typeface="+mn-cs"/>
+            </a:endParaRPr>
+          </a:p>
+          <a:p>
+            <a:endParaRPr lang="en-ZA" dirty="0"/>
+          </a:p>
+          <a:p>
+            <a:r>
+              <a:rPr lang="en-ZA" dirty="0"/>
+              <a:t>So how is this</a:t>
+            </a:r>
             <a:r>
               <a:rPr lang="en-ZA" baseline="0" dirty="0"/>
-              <a:t>Branch 5 didn’t work out but it’s not in trunk so you don’t have to ctrl z that bad boy. It’s ok to just leave it hanging..</a:t>
-            </a:r>
-          </a:p>
-          <a:p>
-            <a:endParaRPr lang="en-ZA" baseline="0" dirty="0"/>
-          </a:p>
-          <a:p>
-            <a:r>
-              <a:rPr lang="en-ZA" baseline="0" dirty="0"/>
-              <a:t>T1 and T2 in blue are public releases of this software.</a:t>
-            </a:r>
+              <a:t> relevant to software development?</a:t>
+            </a:r>
+            <a:r>
+              <a:rPr kumimoji="0" lang="en-ZA" sz="1200" b="0" i="1" u="sng" strike="noStrike" kern="1200" cap="none" spc="0" normalizeH="0" baseline="0" noProof="0" dirty="0">
+                <a:ln>
+                  <a:noFill/>
+                </a:ln>
+                <a:solidFill>
+                  <a:prstClr val="black"/>
+                </a:solidFill>
+                <a:effectLst/>
+                <a:uLnTx/>
+                <a:uFillTx/>
+                <a:latin typeface="+mn-lt"/>
+                <a:ea typeface="+mn-ea"/>
+                <a:cs typeface="+mn-cs"/>
+              </a:rPr>
+              <a:t> [click animation] </a:t>
+            </a:r>
+          </a:p>
+          <a:p>
+            <a:r>
+              <a:rPr kumimoji="0" lang="en-ZA" sz="1200" b="0" i="0" u="none" strike="noStrike" kern="1200" cap="none" spc="0" normalizeH="0" baseline="0" noProof="0" dirty="0">
+                <a:ln>
+                  <a:noFill/>
+                </a:ln>
+                <a:solidFill>
+                  <a:prstClr val="black"/>
+                </a:solidFill>
+                <a:effectLst/>
+                <a:uLnTx/>
+                <a:uFillTx/>
+                <a:latin typeface="+mn-lt"/>
+                <a:ea typeface="+mn-ea"/>
+                <a:cs typeface="+mn-cs"/>
+              </a:rPr>
+              <a:t>With a good source control strategy, you can easily go back to previous working versions</a:t>
+            </a:r>
+            <a:r>
+              <a:rPr kumimoji="0" lang="en-ZA" sz="1200" b="0" i="1" u="sng" strike="noStrike" kern="1200" cap="none" spc="0" normalizeH="0" baseline="0" noProof="0" dirty="0">
+                <a:ln>
+                  <a:noFill/>
+                </a:ln>
+                <a:solidFill>
+                  <a:prstClr val="black"/>
+                </a:solidFill>
+                <a:effectLst/>
+                <a:uLnTx/>
+                <a:uFillTx/>
+                <a:latin typeface="+mn-lt"/>
+                <a:ea typeface="+mn-ea"/>
+                <a:cs typeface="+mn-cs"/>
+              </a:rPr>
+              <a:t>[click animation] </a:t>
+            </a:r>
+          </a:p>
+          <a:p>
+            <a:r>
+              <a:rPr kumimoji="0" lang="en-ZA" sz="1200" b="0" i="0" u="none" strike="noStrike" kern="1200" cap="none" spc="0" normalizeH="0" baseline="0" noProof="0" dirty="0">
+                <a:ln>
+                  <a:noFill/>
+                </a:ln>
+                <a:solidFill>
+                  <a:prstClr val="black"/>
+                </a:solidFill>
+                <a:effectLst/>
+                <a:uLnTx/>
+                <a:uFillTx/>
+                <a:latin typeface="+mn-lt"/>
+                <a:ea typeface="+mn-ea"/>
+                <a:cs typeface="+mn-cs"/>
+              </a:rPr>
+              <a:t>If your changes are well commented it can remind you or inform others of design decisions (which is easier than opening 54 files in turn) </a:t>
+            </a:r>
+            <a:r>
+              <a:rPr kumimoji="0" lang="en-ZA" sz="1200" b="0" i="1" u="sng" strike="noStrike" kern="1200" cap="none" spc="0" normalizeH="0" baseline="0" noProof="0" dirty="0">
+                <a:ln>
+                  <a:noFill/>
+                </a:ln>
+                <a:solidFill>
+                  <a:prstClr val="black"/>
+                </a:solidFill>
+                <a:effectLst/>
+                <a:uLnTx/>
+                <a:uFillTx/>
+                <a:latin typeface="+mn-lt"/>
+                <a:ea typeface="+mn-ea"/>
+                <a:cs typeface="+mn-cs"/>
+              </a:rPr>
+              <a:t>[click animation] </a:t>
+            </a:r>
+          </a:p>
+          <a:p>
+            <a:r>
+              <a:rPr kumimoji="0" lang="en-ZA" sz="1200" b="0" i="0" u="none" strike="noStrike" kern="1200" cap="none" spc="0" normalizeH="0" baseline="0" noProof="0" dirty="0">
+                <a:ln>
+                  <a:noFill/>
+                </a:ln>
+                <a:solidFill>
+                  <a:prstClr val="black"/>
+                </a:solidFill>
+                <a:effectLst/>
+                <a:uLnTx/>
+                <a:uFillTx/>
+                <a:latin typeface="+mn-lt"/>
+                <a:ea typeface="+mn-ea"/>
+                <a:cs typeface="+mn-cs"/>
+              </a:rPr>
+              <a:t>And to know exactly what version of the software/code is currently deployed in the real world. This is useful when you’ve carried on developing new features but you need to go back and fix a bug in an older version.</a:t>
+            </a:r>
+          </a:p>
+          <a:p>
+            <a:endParaRPr lang="en-ZA" i="0" u="none" dirty="0"/>
           </a:p>
         </p:txBody>
       </p:sp>
@@ -3773,7 +3784,208 @@
     </p:spTree>
     <p:extLst>
       <p:ext uri="{BB962C8B-B14F-4D97-AF65-F5344CB8AC3E}">
+        <p14:creationId xmlns:p14="http://schemas.microsoft.com/office/powerpoint/2010/main" val="2705485928"/>
+      </p:ext>
+    </p:extLst>
+  </p:cSld>
+  <p:clrMapOvr>
+    <a:masterClrMapping/>
+  </p:clrMapOvr>
+</p:notes>
+</file>
+
+<file path=ppt/notesSlides/notesSlide6.xml><?xml version="1.0" encoding="utf-8"?>
+<p:notes xmlns:a="http://schemas.openxmlformats.org/drawingml/2006/main" xmlns:r="http://schemas.openxmlformats.org/officeDocument/2006/relationships" xmlns:p="http://schemas.openxmlformats.org/presentationml/2006/main">
+  <p:cSld>
+    <p:spTree>
+      <p:nvGrpSpPr>
+        <p:cNvPr id="1" name=""/>
+        <p:cNvGrpSpPr/>
+        <p:nvPr/>
+      </p:nvGrpSpPr>
+      <p:grpSpPr>
+        <a:xfrm>
+          <a:off x="0" y="0"/>
+          <a:ext cx="0" cy="0"/>
+          <a:chOff x="0" y="0"/>
+          <a:chExt cx="0" cy="0"/>
+        </a:xfrm>
+      </p:grpSpPr>
+      <p:sp>
+        <p:nvSpPr>
+          <p:cNvPr id="2" name="Slide Image Placeholder 1"/>
+          <p:cNvSpPr>
+            <a:spLocks noGrp="1" noRot="1" noChangeAspect="1"/>
+          </p:cNvSpPr>
+          <p:nvPr>
+            <p:ph type="sldImg"/>
+          </p:nvPr>
+        </p:nvSpPr>
+        <p:spPr/>
+      </p:sp>
+      <p:sp>
+        <p:nvSpPr>
+          <p:cNvPr id="3" name="Notes Placeholder 2"/>
+          <p:cNvSpPr>
+            <a:spLocks noGrp="1"/>
+          </p:cNvSpPr>
+          <p:nvPr>
+            <p:ph type="body" idx="1"/>
+          </p:nvPr>
+        </p:nvSpPr>
+        <p:spPr/>
+        <p:txBody>
+          <a:bodyPr/>
+          <a:lstStyle/>
+          <a:p>
+            <a:r>
+              <a:rPr lang="en-ZA" dirty="0"/>
+              <a:t>This</a:t>
+            </a:r>
+            <a:r>
+              <a:rPr lang="en-ZA" baseline="0" dirty="0"/>
+              <a:t> is how a basic source control timeline may look. In green we have the main branch of the code, here called the trunk. In yellow you see features being developed independently of the trunk to avoid rendering the trunk unusable by others if you mess up. So a branch is created when you want to work on something in isolation. When you are done you can merge it back into the trunk as is seen at point 3 merging into 4 and 7 into 9.</a:t>
+            </a:r>
+          </a:p>
+          <a:p>
+            <a:endParaRPr lang="en-ZA" baseline="0" dirty="0"/>
+          </a:p>
+          <a:p>
+            <a:r>
+              <a:rPr lang="en-ZA" baseline="0" dirty="0"/>
+              <a:t>Branch 5 didn’t work out but it’s not in trunk so you don’t have to ctrl z that bad boy. It’s ok to just leave it hanging..</a:t>
+            </a:r>
+          </a:p>
+          <a:p>
+            <a:endParaRPr lang="en-ZA" baseline="0" dirty="0"/>
+          </a:p>
+          <a:p>
+            <a:r>
+              <a:rPr lang="en-ZA" baseline="0" dirty="0"/>
+              <a:t>T1 and T2 in blue are public releases of this software.</a:t>
+            </a:r>
+          </a:p>
+        </p:txBody>
+      </p:sp>
+      <p:sp>
+        <p:nvSpPr>
+          <p:cNvPr id="4" name="Slide Number Placeholder 3"/>
+          <p:cNvSpPr>
+            <a:spLocks noGrp="1"/>
+          </p:cNvSpPr>
+          <p:nvPr>
+            <p:ph type="sldNum" sz="quarter" idx="10"/>
+          </p:nvPr>
+        </p:nvSpPr>
+        <p:spPr/>
+        <p:txBody>
+          <a:bodyPr/>
+          <a:lstStyle/>
+          <a:p>
+            <a:fld id="{BB75B98B-6232-4556-AC1A-7B82E0511A99}" type="slidenum">
+              <a:rPr lang="en-ZA" smtClean="0"/>
+              <a:t>7</a:t>
+            </a:fld>
+            <a:endParaRPr lang="en-ZA"/>
+          </a:p>
+        </p:txBody>
+      </p:sp>
+    </p:spTree>
+    <p:extLst>
+      <p:ext uri="{BB962C8B-B14F-4D97-AF65-F5344CB8AC3E}">
         <p14:creationId xmlns:p14="http://schemas.microsoft.com/office/powerpoint/2010/main" val="3854550249"/>
+      </p:ext>
+    </p:extLst>
+  </p:cSld>
+  <p:clrMapOvr>
+    <a:masterClrMapping/>
+  </p:clrMapOvr>
+</p:notes>
+</file>
+
+<file path=ppt/notesSlides/notesSlide7.xml><?xml version="1.0" encoding="utf-8"?>
+<p:notes xmlns:a="http://schemas.openxmlformats.org/drawingml/2006/main" xmlns:r="http://schemas.openxmlformats.org/officeDocument/2006/relationships" xmlns:p="http://schemas.openxmlformats.org/presentationml/2006/main">
+  <p:cSld>
+    <p:spTree>
+      <p:nvGrpSpPr>
+        <p:cNvPr id="1" name=""/>
+        <p:cNvGrpSpPr/>
+        <p:nvPr/>
+      </p:nvGrpSpPr>
+      <p:grpSpPr>
+        <a:xfrm>
+          <a:off x="0" y="0"/>
+          <a:ext cx="0" cy="0"/>
+          <a:chOff x="0" y="0"/>
+          <a:chExt cx="0" cy="0"/>
+        </a:xfrm>
+      </p:grpSpPr>
+      <p:sp>
+        <p:nvSpPr>
+          <p:cNvPr id="2" name="Slide Image Placeholder 1"/>
+          <p:cNvSpPr>
+            <a:spLocks noGrp="1" noRot="1" noChangeAspect="1"/>
+          </p:cNvSpPr>
+          <p:nvPr>
+            <p:ph type="sldImg"/>
+          </p:nvPr>
+        </p:nvSpPr>
+        <p:spPr/>
+      </p:sp>
+      <p:sp>
+        <p:nvSpPr>
+          <p:cNvPr id="3" name="Notes Placeholder 2"/>
+          <p:cNvSpPr>
+            <a:spLocks noGrp="1"/>
+          </p:cNvSpPr>
+          <p:nvPr>
+            <p:ph type="body" idx="1"/>
+          </p:nvPr>
+        </p:nvSpPr>
+        <p:spPr/>
+        <p:txBody>
+          <a:bodyPr/>
+          <a:lstStyle/>
+          <a:p>
+            <a:r>
+              <a:rPr lang="en-ZA" dirty="0"/>
+              <a:t>SO this is where git comes in. It</a:t>
+            </a:r>
+            <a:r>
+              <a:rPr lang="en-ZA" baseline="0" dirty="0"/>
+              <a:t> is great for source control. It also aides in collaboration.</a:t>
+            </a:r>
+            <a:endParaRPr lang="en-ZA" dirty="0"/>
+          </a:p>
+        </p:txBody>
+      </p:sp>
+      <p:sp>
+        <p:nvSpPr>
+          <p:cNvPr id="4" name="Slide Number Placeholder 3"/>
+          <p:cNvSpPr>
+            <a:spLocks noGrp="1"/>
+          </p:cNvSpPr>
+          <p:nvPr>
+            <p:ph type="sldNum" sz="quarter" idx="10"/>
+          </p:nvPr>
+        </p:nvSpPr>
+        <p:spPr/>
+        <p:txBody>
+          <a:bodyPr/>
+          <a:lstStyle/>
+          <a:p>
+            <a:fld id="{BB75B98B-6232-4556-AC1A-7B82E0511A99}" type="slidenum">
+              <a:rPr lang="en-ZA" smtClean="0"/>
+              <a:t>8</a:t>
+            </a:fld>
+            <a:endParaRPr lang="en-ZA"/>
+          </a:p>
+        </p:txBody>
+      </p:sp>
+    </p:spTree>
+    <p:extLst>
+      <p:ext uri="{BB962C8B-B14F-4D97-AF65-F5344CB8AC3E}">
+        <p14:creationId xmlns:p14="http://schemas.microsoft.com/office/powerpoint/2010/main" val="700202414"/>
       </p:ext>
     </p:extLst>
   </p:cSld>
@@ -3970,7 +4182,7 @@
           <a:p>
             <a:fld id="{5B0D97BF-FEF0-4DF6-B6FC-4DCE80F93E2C}" type="datetimeFigureOut">
               <a:rPr lang="en-ZA" smtClean="0"/>
-              <a:t>2017/02/23</a:t>
+              <a:t>2017/02/24</a:t>
             </a:fld>
             <a:endParaRPr lang="en-ZA"/>
           </a:p>
@@ -4212,7 +4424,7 @@
           <a:p>
             <a:fld id="{5B0D97BF-FEF0-4DF6-B6FC-4DCE80F93E2C}" type="datetimeFigureOut">
               <a:rPr lang="en-ZA" smtClean="0"/>
-              <a:t>2017/02/23</a:t>
+              <a:t>2017/02/24</a:t>
             </a:fld>
             <a:endParaRPr lang="en-ZA"/>
           </a:p>
@@ -4392,7 +4604,7 @@
           <a:p>
             <a:fld id="{5B0D97BF-FEF0-4DF6-B6FC-4DCE80F93E2C}" type="datetimeFigureOut">
               <a:rPr lang="en-ZA" smtClean="0"/>
-              <a:t>2017/02/23</a:t>
+              <a:t>2017/02/24</a:t>
             </a:fld>
             <a:endParaRPr lang="en-ZA"/>
           </a:p>
@@ -4568,7 +4780,7 @@
           <a:p>
             <a:fld id="{5B0D97BF-FEF0-4DF6-B6FC-4DCE80F93E2C}" type="datetimeFigureOut">
               <a:rPr lang="en-ZA" smtClean="0"/>
-              <a:t>2017/02/23</a:t>
+              <a:t>2017/02/24</a:t>
             </a:fld>
             <a:endParaRPr lang="en-ZA"/>
           </a:p>
@@ -4814,7 +5026,7 @@
           <a:p>
             <a:fld id="{5B0D97BF-FEF0-4DF6-B6FC-4DCE80F93E2C}" type="datetimeFigureOut">
               <a:rPr lang="en-ZA" smtClean="0"/>
-              <a:t>2017/02/23</a:t>
+              <a:t>2017/02/24</a:t>
             </a:fld>
             <a:endParaRPr lang="en-ZA"/>
           </a:p>
@@ -5046,7 +5258,7 @@
           <a:p>
             <a:fld id="{5B0D97BF-FEF0-4DF6-B6FC-4DCE80F93E2C}" type="datetimeFigureOut">
               <a:rPr lang="en-ZA" smtClean="0"/>
-              <a:t>2017/02/23</a:t>
+              <a:t>2017/02/24</a:t>
             </a:fld>
             <a:endParaRPr lang="en-ZA"/>
           </a:p>
@@ -5413,7 +5625,7 @@
           <a:p>
             <a:fld id="{5B0D97BF-FEF0-4DF6-B6FC-4DCE80F93E2C}" type="datetimeFigureOut">
               <a:rPr lang="en-ZA" smtClean="0"/>
-              <a:t>2017/02/23</a:t>
+              <a:t>2017/02/24</a:t>
             </a:fld>
             <a:endParaRPr lang="en-ZA"/>
           </a:p>
@@ -5531,7 +5743,7 @@
           <a:p>
             <a:fld id="{5B0D97BF-FEF0-4DF6-B6FC-4DCE80F93E2C}" type="datetimeFigureOut">
               <a:rPr lang="en-ZA" smtClean="0"/>
-              <a:t>2017/02/23</a:t>
+              <a:t>2017/02/24</a:t>
             </a:fld>
             <a:endParaRPr lang="en-ZA"/>
           </a:p>
@@ -5626,7 +5838,7 @@
           <a:p>
             <a:fld id="{5B0D97BF-FEF0-4DF6-B6FC-4DCE80F93E2C}" type="datetimeFigureOut">
               <a:rPr lang="en-ZA" smtClean="0"/>
-              <a:t>2017/02/23</a:t>
+              <a:t>2017/02/24</a:t>
             </a:fld>
             <a:endParaRPr lang="en-ZA"/>
           </a:p>
@@ -5903,7 +6115,7 @@
           <a:p>
             <a:fld id="{5B0D97BF-FEF0-4DF6-B6FC-4DCE80F93E2C}" type="datetimeFigureOut">
               <a:rPr lang="en-ZA" smtClean="0"/>
-              <a:t>2017/02/23</a:t>
+              <a:t>2017/02/24</a:t>
             </a:fld>
             <a:endParaRPr lang="en-ZA"/>
           </a:p>
@@ -6156,7 +6368,7 @@
           <a:p>
             <a:fld id="{5B0D97BF-FEF0-4DF6-B6FC-4DCE80F93E2C}" type="datetimeFigureOut">
               <a:rPr lang="en-ZA" smtClean="0"/>
-              <a:t>2017/02/23</a:t>
+              <a:t>2017/02/24</a:t>
             </a:fld>
             <a:endParaRPr lang="en-ZA"/>
           </a:p>
@@ -6418,7 +6630,7 @@
           <a:p>
             <a:fld id="{5B0D97BF-FEF0-4DF6-B6FC-4DCE80F93E2C}" type="datetimeFigureOut">
               <a:rPr lang="en-ZA" smtClean="0"/>
-              <a:t>2017/02/23</a:t>
+              <a:t>2017/02/24</a:t>
             </a:fld>
             <a:endParaRPr lang="en-ZA"/>
           </a:p>
@@ -7129,6 +7341,293 @@
       </p:grpSpPr>
       <p:sp>
         <p:nvSpPr>
+          <p:cNvPr id="4" name="TextBox 3"/>
+          <p:cNvSpPr txBox="1"/>
+          <p:nvPr/>
+        </p:nvSpPr>
+        <p:spPr>
+          <a:xfrm>
+            <a:off x="783336" y="338542"/>
+            <a:ext cx="10479024" cy="923330"/>
+          </a:xfrm>
+          <a:prstGeom prst="rect">
+            <a:avLst/>
+          </a:prstGeom>
+          <a:noFill/>
+        </p:spPr>
+        <p:txBody>
+          <a:bodyPr wrap="square" rtlCol="0">
+            <a:spAutoFit/>
+          </a:bodyPr>
+          <a:lstStyle/>
+          <a:p>
+            <a:pPr algn="ctr"/>
+            <a:r>
+              <a:rPr lang="en-ZA" sz="5400" dirty="0">
+                <a:solidFill>
+                  <a:srgbClr val="F85652"/>
+                </a:solidFill>
+              </a:rPr>
+              <a:t>Download today’s files here:</a:t>
+            </a:r>
+          </a:p>
+        </p:txBody>
+      </p:sp>
+      <p:sp>
+        <p:nvSpPr>
+          <p:cNvPr id="5" name="TextBox 4"/>
+          <p:cNvSpPr txBox="1"/>
+          <p:nvPr/>
+        </p:nvSpPr>
+        <p:spPr>
+          <a:xfrm>
+            <a:off x="146304" y="1371600"/>
+            <a:ext cx="12045696" cy="707886"/>
+          </a:xfrm>
+          <a:prstGeom prst="rect">
+            <a:avLst/>
+          </a:prstGeom>
+          <a:noFill/>
+        </p:spPr>
+        <p:txBody>
+          <a:bodyPr wrap="square" rtlCol="0">
+            <a:spAutoFit/>
+          </a:bodyPr>
+          <a:lstStyle/>
+          <a:p>
+            <a:r>
+              <a:rPr lang="en-ZA" sz="4000" dirty="0">
+                <a:solidFill>
+                  <a:schemeClr val="bg1"/>
+                </a:solidFill>
+              </a:rPr>
+              <a:t>https://github.com/mleisegang/GirlCode_2017_HtmlCss</a:t>
+            </a:r>
+          </a:p>
+        </p:txBody>
+      </p:sp>
+      <p:grpSp>
+        <p:nvGrpSpPr>
+          <p:cNvPr id="8" name="Group 7"/>
+          <p:cNvGrpSpPr/>
+          <p:nvPr/>
+        </p:nvGrpSpPr>
+        <p:grpSpPr>
+          <a:xfrm>
+            <a:off x="307848" y="2082534"/>
+            <a:ext cx="6893052" cy="3392250"/>
+            <a:chOff x="783336" y="2079486"/>
+            <a:chExt cx="6893052" cy="3392250"/>
+          </a:xfrm>
+        </p:grpSpPr>
+        <p:pic>
+          <p:nvPicPr>
+            <p:cNvPr id="6" name="Picture 5"/>
+            <p:cNvPicPr>
+              <a:picLocks noChangeAspect="1"/>
+            </p:cNvPicPr>
+            <p:nvPr/>
+          </p:nvPicPr>
+          <p:blipFill>
+            <a:blip r:embed="rId3"/>
+            <a:stretch>
+              <a:fillRect/>
+            </a:stretch>
+          </p:blipFill>
+          <p:spPr>
+            <a:xfrm>
+              <a:off x="783336" y="2079486"/>
+              <a:ext cx="6893052" cy="3392250"/>
+            </a:xfrm>
+            <a:prstGeom prst="rect">
+              <a:avLst/>
+            </a:prstGeom>
+          </p:spPr>
+        </p:pic>
+        <p:sp>
+          <p:nvSpPr>
+            <p:cNvPr id="7" name="Rectangle 6"/>
+            <p:cNvSpPr/>
+            <p:nvPr/>
+          </p:nvSpPr>
+          <p:spPr>
+            <a:xfrm>
+              <a:off x="6606540" y="4122420"/>
+              <a:ext cx="982980" cy="320040"/>
+            </a:xfrm>
+            <a:prstGeom prst="rect">
+              <a:avLst/>
+            </a:prstGeom>
+            <a:noFill/>
+            <a:ln w="38100">
+              <a:solidFill>
+                <a:srgbClr val="FFFF00"/>
+              </a:solidFill>
+            </a:ln>
+          </p:spPr>
+          <p:style>
+            <a:lnRef idx="2">
+              <a:schemeClr val="accent1">
+                <a:shade val="50000"/>
+              </a:schemeClr>
+            </a:lnRef>
+            <a:fillRef idx="1">
+              <a:schemeClr val="accent1"/>
+            </a:fillRef>
+            <a:effectRef idx="0">
+              <a:schemeClr val="accent1"/>
+            </a:effectRef>
+            <a:fontRef idx="minor">
+              <a:schemeClr val="lt1"/>
+            </a:fontRef>
+          </p:style>
+          <p:txBody>
+            <a:bodyPr rtlCol="0" anchor="ctr"/>
+            <a:lstStyle/>
+            <a:p>
+              <a:pPr algn="ctr"/>
+              <a:endParaRPr lang="en-ZA"/>
+            </a:p>
+          </p:txBody>
+        </p:sp>
+      </p:grpSp>
+      <p:grpSp>
+        <p:nvGrpSpPr>
+          <p:cNvPr id="12" name="Group 11"/>
+          <p:cNvGrpSpPr/>
+          <p:nvPr/>
+        </p:nvGrpSpPr>
+        <p:grpSpPr>
+          <a:xfrm>
+            <a:off x="7872603" y="2659471"/>
+            <a:ext cx="4124325" cy="2238375"/>
+            <a:chOff x="7872603" y="2659471"/>
+            <a:chExt cx="4124325" cy="2238375"/>
+          </a:xfrm>
+        </p:grpSpPr>
+        <p:pic>
+          <p:nvPicPr>
+            <p:cNvPr id="9" name="Picture 8"/>
+            <p:cNvPicPr>
+              <a:picLocks noChangeAspect="1"/>
+            </p:cNvPicPr>
+            <p:nvPr/>
+          </p:nvPicPr>
+          <p:blipFill>
+            <a:blip r:embed="rId4"/>
+            <a:stretch>
+              <a:fillRect/>
+            </a:stretch>
+          </p:blipFill>
+          <p:spPr>
+            <a:xfrm>
+              <a:off x="7872603" y="2659471"/>
+              <a:ext cx="4124325" cy="2238375"/>
+            </a:xfrm>
+            <a:prstGeom prst="rect">
+              <a:avLst/>
+            </a:prstGeom>
+          </p:spPr>
+        </p:pic>
+        <p:cxnSp>
+          <p:nvCxnSpPr>
+            <p:cNvPr id="11" name="Straight Arrow Connector 10"/>
+            <p:cNvCxnSpPr/>
+            <p:nvPr/>
+          </p:nvCxnSpPr>
+          <p:spPr>
+            <a:xfrm>
+              <a:off x="9758363" y="3867150"/>
+              <a:ext cx="681037" cy="490538"/>
+            </a:xfrm>
+            <a:prstGeom prst="straightConnector1">
+              <a:avLst/>
+            </a:prstGeom>
+            <a:ln w="76200">
+              <a:solidFill>
+                <a:srgbClr val="FFFF00"/>
+              </a:solidFill>
+              <a:tailEnd type="triangle"/>
+            </a:ln>
+          </p:spPr>
+          <p:style>
+            <a:lnRef idx="1">
+              <a:schemeClr val="accent1"/>
+            </a:lnRef>
+            <a:fillRef idx="0">
+              <a:schemeClr val="accent1"/>
+            </a:fillRef>
+            <a:effectRef idx="0">
+              <a:schemeClr val="accent1"/>
+            </a:effectRef>
+            <a:fontRef idx="minor">
+              <a:schemeClr val="tx1"/>
+            </a:fontRef>
+          </p:style>
+        </p:cxnSp>
+      </p:grpSp>
+      <p:pic>
+        <p:nvPicPr>
+          <p:cNvPr id="15" name="Picture 14"/>
+          <p:cNvPicPr>
+            <a:picLocks noChangeAspect="1"/>
+          </p:cNvPicPr>
+          <p:nvPr/>
+        </p:nvPicPr>
+        <p:blipFill>
+          <a:blip r:embed="rId5">
+            <a:extLst>
+              <a:ext uri="{28A0092B-C50C-407E-A947-70E740481C1C}">
+                <a14:useLocalDpi xmlns:a14="http://schemas.microsoft.com/office/drawing/2010/main" val="0"/>
+              </a:ext>
+            </a:extLst>
+          </a:blip>
+          <a:stretch>
+            <a:fillRect/>
+          </a:stretch>
+        </p:blipFill>
+        <p:spPr>
+          <a:xfrm>
+            <a:off x="10439400" y="390942"/>
+            <a:ext cx="929640" cy="929640"/>
+          </a:xfrm>
+          <a:prstGeom prst="rect">
+            <a:avLst/>
+          </a:prstGeom>
+        </p:spPr>
+      </p:pic>
+    </p:spTree>
+    <p:extLst>
+      <p:ext uri="{BB962C8B-B14F-4D97-AF65-F5344CB8AC3E}">
+        <p14:creationId xmlns:p14="http://schemas.microsoft.com/office/powerpoint/2010/main" val="29980302"/>
+      </p:ext>
+    </p:extLst>
+  </p:cSld>
+  <p:clrMapOvr>
+    <a:masterClrMapping/>
+  </p:clrMapOvr>
+</p:sld>
+</file>
+
+<file path=ppt/slides/slide3.xml><?xml version="1.0" encoding="utf-8"?>
+<p:sld xmlns:a="http://schemas.openxmlformats.org/drawingml/2006/main" xmlns:r="http://schemas.openxmlformats.org/officeDocument/2006/relationships" xmlns:p="http://schemas.openxmlformats.org/presentationml/2006/main">
+  <p:cSld>
+    <p:spTree>
+      <p:nvGrpSpPr>
+        <p:cNvPr id="1" name=""/>
+        <p:cNvGrpSpPr/>
+        <p:nvPr/>
+      </p:nvGrpSpPr>
+      <p:grpSpPr>
+        <a:xfrm>
+          <a:off x="0" y="0"/>
+          <a:ext cx="0" cy="0"/>
+          <a:chOff x="0" y="0"/>
+          <a:chExt cx="0" cy="0"/>
+        </a:xfrm>
+      </p:grpSpPr>
+      <p:sp>
+        <p:nvSpPr>
           <p:cNvPr id="7" name="Title 6"/>
           <p:cNvSpPr>
             <a:spLocks noGrp="1"/>
@@ -7319,7 +7818,7 @@
 </p:sld>
 </file>
 
-<file path=ppt/slides/slide3.xml><?xml version="1.0" encoding="utf-8"?>
+<file path=ppt/slides/slide4.xml><?xml version="1.0" encoding="utf-8"?>
 <p:sld xmlns:a="http://schemas.openxmlformats.org/drawingml/2006/main" xmlns:r="http://schemas.openxmlformats.org/officeDocument/2006/relationships" xmlns:p="http://schemas.openxmlformats.org/presentationml/2006/main">
   <p:cSld>
     <p:spTree>
@@ -7505,7 +8004,7 @@
 </p:sld>
 </file>
 
-<file path=ppt/slides/slide4.xml><?xml version="1.0" encoding="utf-8"?>
+<file path=ppt/slides/slide5.xml><?xml version="1.0" encoding="utf-8"?>
 <p:sld xmlns:a="http://schemas.openxmlformats.org/drawingml/2006/main" xmlns:r="http://schemas.openxmlformats.org/officeDocument/2006/relationships" xmlns:p="http://schemas.openxmlformats.org/presentationml/2006/main">
   <p:cSld>
     <p:spTree>
@@ -7899,7 +8398,7 @@
 </p:sld>
 </file>
 
-<file path=ppt/slides/slide5.xml><?xml version="1.0" encoding="utf-8"?>
+<file path=ppt/slides/slide6.xml><?xml version="1.0" encoding="utf-8"?>
 <p:sld xmlns:a="http://schemas.openxmlformats.org/drawingml/2006/main" xmlns:r="http://schemas.openxmlformats.org/officeDocument/2006/relationships" xmlns:p="http://schemas.openxmlformats.org/presentationml/2006/main">
   <p:cSld>
     <p:spTree>
@@ -8044,13 +8543,13 @@
   <p:clrMapOvr>
     <a:masterClrMapping/>
   </p:clrMapOvr>
-  <mc:AlternateContent xmlns:mc="http://schemas.openxmlformats.org/markup-compatibility/2006">
-    <mc:Choice xmlns:p14="http://schemas.microsoft.com/office/powerpoint/2010/main" Requires="p14">
+  <mc:AlternateContent xmlns:mc="http://schemas.openxmlformats.org/markup-compatibility/2006" xmlns:p14="http://schemas.microsoft.com/office/powerpoint/2010/main">
+    <mc:Choice Requires="p14">
       <p:transition spd="med" p14:dur="700">
         <p:fade/>
       </p:transition>
     </mc:Choice>
-    <mc:Fallback>
+    <mc:Fallback xmlns="">
       <p:transition spd="med">
         <p:fade/>
       </p:transition>
@@ -8331,7 +8830,7 @@
 </p:sld>
 </file>
 
-<file path=ppt/slides/slide6.xml><?xml version="1.0" encoding="utf-8"?>
+<file path=ppt/slides/slide7.xml><?xml version="1.0" encoding="utf-8"?>
 <p:sld xmlns:a="http://schemas.openxmlformats.org/drawingml/2006/main" xmlns:r="http://schemas.openxmlformats.org/officeDocument/2006/relationships" xmlns:p="http://schemas.openxmlformats.org/presentationml/2006/main">
   <p:cSld>
     <p:spTree>
@@ -8415,79 +8914,6 @@
     <p:extLst>
       <p:ext uri="{BB962C8B-B14F-4D97-AF65-F5344CB8AC3E}">
         <p14:creationId xmlns:p14="http://schemas.microsoft.com/office/powerpoint/2010/main" val="2038117760"/>
-      </p:ext>
-    </p:extLst>
-  </p:cSld>
-  <p:clrMapOvr>
-    <a:masterClrMapping/>
-  </p:clrMapOvr>
-</p:sld>
-</file>
-
-<file path=ppt/slides/slide7.xml><?xml version="1.0" encoding="utf-8"?>
-<p:sld xmlns:a="http://schemas.openxmlformats.org/drawingml/2006/main" xmlns:r="http://schemas.openxmlformats.org/officeDocument/2006/relationships" xmlns:p="http://schemas.openxmlformats.org/presentationml/2006/main">
-  <p:cSld>
-    <p:spTree>
-      <p:nvGrpSpPr>
-        <p:cNvPr id="1" name=""/>
-        <p:cNvGrpSpPr/>
-        <p:nvPr/>
-      </p:nvGrpSpPr>
-      <p:grpSpPr>
-        <a:xfrm>
-          <a:off x="0" y="0"/>
-          <a:ext cx="0" cy="0"/>
-          <a:chOff x="0" y="0"/>
-          <a:chExt cx="0" cy="0"/>
-        </a:xfrm>
-      </p:grpSpPr>
-      <p:sp>
-        <p:nvSpPr>
-          <p:cNvPr id="2" name="Title 1"/>
-          <p:cNvSpPr>
-            <a:spLocks noGrp="1"/>
-          </p:cNvSpPr>
-          <p:nvPr>
-            <p:ph type="title"/>
-          </p:nvPr>
-        </p:nvSpPr>
-        <p:spPr/>
-        <p:txBody>
-          <a:bodyPr>
-            <a:normAutofit fontScale="90000"/>
-          </a:bodyPr>
-          <a:lstStyle/>
-          <a:p>
-            <a:r>
-              <a:rPr lang="en-ZA" dirty="0"/>
-              <a:t>Sven’s html header body footer example</a:t>
-            </a:r>
-          </a:p>
-        </p:txBody>
-      </p:sp>
-      <p:sp>
-        <p:nvSpPr>
-          <p:cNvPr id="3" name="Content Placeholder 2"/>
-          <p:cNvSpPr>
-            <a:spLocks noGrp="1"/>
-          </p:cNvSpPr>
-          <p:nvPr>
-            <p:ph idx="1"/>
-          </p:nvPr>
-        </p:nvSpPr>
-        <p:spPr/>
-        <p:txBody>
-          <a:bodyPr/>
-          <a:lstStyle/>
-          <a:p>
-            <a:endParaRPr lang="en-ZA"/>
-          </a:p>
-        </p:txBody>
-      </p:sp>
-    </p:spTree>
-    <p:extLst>
-      <p:ext uri="{BB962C8B-B14F-4D97-AF65-F5344CB8AC3E}">
-        <p14:creationId xmlns:p14="http://schemas.microsoft.com/office/powerpoint/2010/main" val="981483171"/>
       </p:ext>
     </p:extLst>
   </p:cSld>
@@ -8559,7 +8985,13 @@
           <a:p>
             <a:r>
               <a:rPr lang="en-ZA" dirty="0"/>
-              <a:t>Repositories of code</a:t>
+              <a:t>Great for collaboration</a:t>
+            </a:r>
+          </a:p>
+          <a:p>
+            <a:r>
+              <a:rPr lang="en-ZA" dirty="0"/>
+              <a:t>Many open source libraries</a:t>
             </a:r>
           </a:p>
           <a:p>
@@ -8569,9 +9001,12 @@
             </a:r>
           </a:p>
           <a:p>
+            <a:pPr marL="0" indent="0">
+              <a:buNone/>
+            </a:pPr>
             <a:r>
               <a:rPr lang="en-ZA" dirty="0"/>
-              <a:t>https://github.com/mleisegang/GirlCode_2017_HtmlCss.git</a:t>
+              <a:t>   https://github.com/mleisegang/GirlCode_2017_HtmlCss.git</a:t>
             </a:r>
           </a:p>
         </p:txBody>
